--- a/ppt 16-9/1372.我要仰望耶和华.pptx
+++ b/ppt 16-9/1372.我要仰望耶和华.pptx
@@ -5,7 +5,7 @@
     <p:sldMasterId id="2147483648" r:id="rId1"/>
   </p:sldMasterIdLst>
   <p:sldIdLst>
-    <p:sldId id="939" r:id="rId2"/>
+    <p:sldId id="941" r:id="rId2"/>
   </p:sldIdLst>
   <p:sldSz cx="12192000" cy="6858000"/>
   <p:notesSz cx="6858000" cy="9144000"/>
@@ -129,7 +129,7 @@
           <p:cNvPr id="2" name="标题 1">
             <a:extLst>
               <a:ext uri="{FF2B5EF4-FFF2-40B4-BE49-F238E27FC236}">
-                <a16:creationId xmlns:a16="http://schemas.microsoft.com/office/drawing/2014/main" id="{1027537D-B985-77AA-C137-60CE10AB006E}"/>
+                <a16:creationId xmlns:a16="http://schemas.microsoft.com/office/drawing/2014/main" id="{9351D67D-ACD8-E434-6617-CF59D7714F04}"/>
               </a:ext>
             </a:extLst>
           </p:cNvPr>
@@ -166,7 +166,7 @@
           <p:cNvPr id="3" name="副标题 2">
             <a:extLst>
               <a:ext uri="{FF2B5EF4-FFF2-40B4-BE49-F238E27FC236}">
-                <a16:creationId xmlns:a16="http://schemas.microsoft.com/office/drawing/2014/main" id="{BFE50664-388A-2D2B-4CEF-CAA68F2A4CA0}"/>
+                <a16:creationId xmlns:a16="http://schemas.microsoft.com/office/drawing/2014/main" id="{C35C6D42-E943-610A-8B29-F42949C0DBEF}"/>
               </a:ext>
             </a:extLst>
           </p:cNvPr>
@@ -236,7 +236,7 @@
           <p:cNvPr id="4" name="日期占位符 3">
             <a:extLst>
               <a:ext uri="{FF2B5EF4-FFF2-40B4-BE49-F238E27FC236}">
-                <a16:creationId xmlns:a16="http://schemas.microsoft.com/office/drawing/2014/main" id="{BBF32F69-2B46-EF1D-30F8-C37AF134AC01}"/>
+                <a16:creationId xmlns:a16="http://schemas.microsoft.com/office/drawing/2014/main" id="{AA87ABCD-2ADF-7093-2C97-D7C21B4E40BC}"/>
               </a:ext>
             </a:extLst>
           </p:cNvPr>
@@ -252,7 +252,7 @@
           <a:bodyPr/>
           <a:lstStyle/>
           <a:p>
-            <a:fld id="{5473F396-7694-4257-B03F-1079A684EE3D}" type="datetimeFigureOut">
+            <a:fld id="{F52CFC5E-C901-4592-B5C0-F76F018E0F8C}" type="datetimeFigureOut">
               <a:rPr lang="zh-CN" altLang="en-US" smtClean="0"/>
               <a:t>2024/3/10</a:t>
             </a:fld>
@@ -265,7 +265,7 @@
           <p:cNvPr id="5" name="页脚占位符 4">
             <a:extLst>
               <a:ext uri="{FF2B5EF4-FFF2-40B4-BE49-F238E27FC236}">
-                <a16:creationId xmlns:a16="http://schemas.microsoft.com/office/drawing/2014/main" id="{0F9E4BF3-05A6-9850-A04E-D55236E66473}"/>
+                <a16:creationId xmlns:a16="http://schemas.microsoft.com/office/drawing/2014/main" id="{99326D35-9C4A-AABF-B1DF-00CEC519E21B}"/>
               </a:ext>
             </a:extLst>
           </p:cNvPr>
@@ -290,7 +290,7 @@
           <p:cNvPr id="6" name="灯片编号占位符 5">
             <a:extLst>
               <a:ext uri="{FF2B5EF4-FFF2-40B4-BE49-F238E27FC236}">
-                <a16:creationId xmlns:a16="http://schemas.microsoft.com/office/drawing/2014/main" id="{DDBDA701-177A-E098-182A-1E093BAACC52}"/>
+                <a16:creationId xmlns:a16="http://schemas.microsoft.com/office/drawing/2014/main" id="{CCE1C361-C102-6B8E-9BA6-0ED78C32BD2A}"/>
               </a:ext>
             </a:extLst>
           </p:cNvPr>
@@ -306,7 +306,7 @@
           <a:bodyPr/>
           <a:lstStyle/>
           <a:p>
-            <a:fld id="{8F63DACB-D536-49DB-80F9-A1068F70E3E7}" type="slidenum">
+            <a:fld id="{A326476B-C67B-4E98-99C7-B2D5F830CC1E}" type="slidenum">
               <a:rPr lang="zh-CN" altLang="en-US" smtClean="0"/>
               <a:t>‹#›</a:t>
             </a:fld>
@@ -317,7 +317,7 @@
     </p:spTree>
     <p:extLst>
       <p:ext uri="{BB962C8B-B14F-4D97-AF65-F5344CB8AC3E}">
-        <p14:creationId xmlns:p14="http://schemas.microsoft.com/office/powerpoint/2010/main" val="2248421467"/>
+        <p14:creationId xmlns:p14="http://schemas.microsoft.com/office/powerpoint/2010/main" val="2285049047"/>
       </p:ext>
     </p:extLst>
   </p:cSld>
@@ -349,7 +349,7 @@
           <p:cNvPr id="2" name="标题 1">
             <a:extLst>
               <a:ext uri="{FF2B5EF4-FFF2-40B4-BE49-F238E27FC236}">
-                <a16:creationId xmlns:a16="http://schemas.microsoft.com/office/drawing/2014/main" id="{FF722103-79ED-B8D9-76B8-29C5E55B53D5}"/>
+                <a16:creationId xmlns:a16="http://schemas.microsoft.com/office/drawing/2014/main" id="{1438CD48-21CC-45AB-941C-542516CD304E}"/>
               </a:ext>
             </a:extLst>
           </p:cNvPr>
@@ -377,7 +377,7 @@
           <p:cNvPr id="3" name="竖排文字占位符 2">
             <a:extLst>
               <a:ext uri="{FF2B5EF4-FFF2-40B4-BE49-F238E27FC236}">
-                <a16:creationId xmlns:a16="http://schemas.microsoft.com/office/drawing/2014/main" id="{165F6434-5DC8-B9F2-B42B-224384D71A3B}"/>
+                <a16:creationId xmlns:a16="http://schemas.microsoft.com/office/drawing/2014/main" id="{49BF9702-A41E-8451-5C08-CFFEBEF607FC}"/>
               </a:ext>
             </a:extLst>
           </p:cNvPr>
@@ -434,7 +434,7 @@
           <p:cNvPr id="4" name="日期占位符 3">
             <a:extLst>
               <a:ext uri="{FF2B5EF4-FFF2-40B4-BE49-F238E27FC236}">
-                <a16:creationId xmlns:a16="http://schemas.microsoft.com/office/drawing/2014/main" id="{CC635807-E98E-D322-7B5E-2D40997D10E4}"/>
+                <a16:creationId xmlns:a16="http://schemas.microsoft.com/office/drawing/2014/main" id="{7475864B-14EE-9DCD-5900-808300CF4762}"/>
               </a:ext>
             </a:extLst>
           </p:cNvPr>
@@ -450,7 +450,7 @@
           <a:bodyPr/>
           <a:lstStyle/>
           <a:p>
-            <a:fld id="{5473F396-7694-4257-B03F-1079A684EE3D}" type="datetimeFigureOut">
+            <a:fld id="{F52CFC5E-C901-4592-B5C0-F76F018E0F8C}" type="datetimeFigureOut">
               <a:rPr lang="zh-CN" altLang="en-US" smtClean="0"/>
               <a:t>2024/3/10</a:t>
             </a:fld>
@@ -463,7 +463,7 @@
           <p:cNvPr id="5" name="页脚占位符 4">
             <a:extLst>
               <a:ext uri="{FF2B5EF4-FFF2-40B4-BE49-F238E27FC236}">
-                <a16:creationId xmlns:a16="http://schemas.microsoft.com/office/drawing/2014/main" id="{C9E208C1-6EFC-DEE3-E09B-E86DA87C9901}"/>
+                <a16:creationId xmlns:a16="http://schemas.microsoft.com/office/drawing/2014/main" id="{326A7042-F2EC-8E97-3AC4-A559EEB2301B}"/>
               </a:ext>
             </a:extLst>
           </p:cNvPr>
@@ -488,7 +488,7 @@
           <p:cNvPr id="6" name="灯片编号占位符 5">
             <a:extLst>
               <a:ext uri="{FF2B5EF4-FFF2-40B4-BE49-F238E27FC236}">
-                <a16:creationId xmlns:a16="http://schemas.microsoft.com/office/drawing/2014/main" id="{02C17556-B7B9-79F3-665A-81A52D4921E3}"/>
+                <a16:creationId xmlns:a16="http://schemas.microsoft.com/office/drawing/2014/main" id="{C2BD810A-5EBE-4970-411A-4A0E9DD4DC79}"/>
               </a:ext>
             </a:extLst>
           </p:cNvPr>
@@ -504,7 +504,7 @@
           <a:bodyPr/>
           <a:lstStyle/>
           <a:p>
-            <a:fld id="{8F63DACB-D536-49DB-80F9-A1068F70E3E7}" type="slidenum">
+            <a:fld id="{A326476B-C67B-4E98-99C7-B2D5F830CC1E}" type="slidenum">
               <a:rPr lang="zh-CN" altLang="en-US" smtClean="0"/>
               <a:t>‹#›</a:t>
             </a:fld>
@@ -515,7 +515,7 @@
     </p:spTree>
     <p:extLst>
       <p:ext uri="{BB962C8B-B14F-4D97-AF65-F5344CB8AC3E}">
-        <p14:creationId xmlns:p14="http://schemas.microsoft.com/office/powerpoint/2010/main" val="1218881665"/>
+        <p14:creationId xmlns:p14="http://schemas.microsoft.com/office/powerpoint/2010/main" val="2766083869"/>
       </p:ext>
     </p:extLst>
   </p:cSld>
@@ -547,7 +547,7 @@
           <p:cNvPr id="2" name="竖排标题 1">
             <a:extLst>
               <a:ext uri="{FF2B5EF4-FFF2-40B4-BE49-F238E27FC236}">
-                <a16:creationId xmlns:a16="http://schemas.microsoft.com/office/drawing/2014/main" id="{603C3CF8-A9AD-E24F-F11F-45DC1C4004CF}"/>
+                <a16:creationId xmlns:a16="http://schemas.microsoft.com/office/drawing/2014/main" id="{68320D2B-3225-0529-38B7-8E678F6BE03C}"/>
               </a:ext>
             </a:extLst>
           </p:cNvPr>
@@ -580,7 +580,7 @@
           <p:cNvPr id="3" name="竖排文字占位符 2">
             <a:extLst>
               <a:ext uri="{FF2B5EF4-FFF2-40B4-BE49-F238E27FC236}">
-                <a16:creationId xmlns:a16="http://schemas.microsoft.com/office/drawing/2014/main" id="{CC2FB3BF-0154-0DB0-3AEF-0D3CBB974C3D}"/>
+                <a16:creationId xmlns:a16="http://schemas.microsoft.com/office/drawing/2014/main" id="{502D9C71-16A5-9233-C20C-D3217EFF6461}"/>
               </a:ext>
             </a:extLst>
           </p:cNvPr>
@@ -642,7 +642,7 @@
           <p:cNvPr id="4" name="日期占位符 3">
             <a:extLst>
               <a:ext uri="{FF2B5EF4-FFF2-40B4-BE49-F238E27FC236}">
-                <a16:creationId xmlns:a16="http://schemas.microsoft.com/office/drawing/2014/main" id="{93BA78EA-D58C-F070-A070-CE6B6BCD87DC}"/>
+                <a16:creationId xmlns:a16="http://schemas.microsoft.com/office/drawing/2014/main" id="{F4815871-3364-B6E9-05A5-B44DFD0962AF}"/>
               </a:ext>
             </a:extLst>
           </p:cNvPr>
@@ -658,7 +658,7 @@
           <a:bodyPr/>
           <a:lstStyle/>
           <a:p>
-            <a:fld id="{5473F396-7694-4257-B03F-1079A684EE3D}" type="datetimeFigureOut">
+            <a:fld id="{F52CFC5E-C901-4592-B5C0-F76F018E0F8C}" type="datetimeFigureOut">
               <a:rPr lang="zh-CN" altLang="en-US" smtClean="0"/>
               <a:t>2024/3/10</a:t>
             </a:fld>
@@ -671,7 +671,7 @@
           <p:cNvPr id="5" name="页脚占位符 4">
             <a:extLst>
               <a:ext uri="{FF2B5EF4-FFF2-40B4-BE49-F238E27FC236}">
-                <a16:creationId xmlns:a16="http://schemas.microsoft.com/office/drawing/2014/main" id="{11C097F5-3735-3F4B-7CF4-B7C90D6BF044}"/>
+                <a16:creationId xmlns:a16="http://schemas.microsoft.com/office/drawing/2014/main" id="{252285C7-4F91-3B9E-0393-4C58D3B4DF95}"/>
               </a:ext>
             </a:extLst>
           </p:cNvPr>
@@ -696,7 +696,7 @@
           <p:cNvPr id="6" name="灯片编号占位符 5">
             <a:extLst>
               <a:ext uri="{FF2B5EF4-FFF2-40B4-BE49-F238E27FC236}">
-                <a16:creationId xmlns:a16="http://schemas.microsoft.com/office/drawing/2014/main" id="{7CF35129-4326-AEEE-03B3-C5571074FCDF}"/>
+                <a16:creationId xmlns:a16="http://schemas.microsoft.com/office/drawing/2014/main" id="{FD3D008E-D233-BBBC-9AEF-57CF11912327}"/>
               </a:ext>
             </a:extLst>
           </p:cNvPr>
@@ -712,7 +712,7 @@
           <a:bodyPr/>
           <a:lstStyle/>
           <a:p>
-            <a:fld id="{8F63DACB-D536-49DB-80F9-A1068F70E3E7}" type="slidenum">
+            <a:fld id="{A326476B-C67B-4E98-99C7-B2D5F830CC1E}" type="slidenum">
               <a:rPr lang="zh-CN" altLang="en-US" smtClean="0"/>
               <a:t>‹#›</a:t>
             </a:fld>
@@ -723,7 +723,7 @@
     </p:spTree>
     <p:extLst>
       <p:ext uri="{BB962C8B-B14F-4D97-AF65-F5344CB8AC3E}">
-        <p14:creationId xmlns:p14="http://schemas.microsoft.com/office/powerpoint/2010/main" val="633539620"/>
+        <p14:creationId xmlns:p14="http://schemas.microsoft.com/office/powerpoint/2010/main" val="1932926851"/>
       </p:ext>
     </p:extLst>
   </p:cSld>
@@ -755,7 +755,7 @@
           <p:cNvPr id="2" name="标题 1">
             <a:extLst>
               <a:ext uri="{FF2B5EF4-FFF2-40B4-BE49-F238E27FC236}">
-                <a16:creationId xmlns:a16="http://schemas.microsoft.com/office/drawing/2014/main" id="{DFD80560-5EA9-BAA8-1723-1FE62608E7CC}"/>
+                <a16:creationId xmlns:a16="http://schemas.microsoft.com/office/drawing/2014/main" id="{7A8A3D50-7000-2409-F9A0-2638E37C2E22}"/>
               </a:ext>
             </a:extLst>
           </p:cNvPr>
@@ -783,7 +783,7 @@
           <p:cNvPr id="3" name="内容占位符 2">
             <a:extLst>
               <a:ext uri="{FF2B5EF4-FFF2-40B4-BE49-F238E27FC236}">
-                <a16:creationId xmlns:a16="http://schemas.microsoft.com/office/drawing/2014/main" id="{64BB3A19-BF77-BED4-C0A4-A8B27C5B2E72}"/>
+                <a16:creationId xmlns:a16="http://schemas.microsoft.com/office/drawing/2014/main" id="{321A94A4-7FF7-90C9-CE93-2B851584439F}"/>
               </a:ext>
             </a:extLst>
           </p:cNvPr>
@@ -840,7 +840,7 @@
           <p:cNvPr id="4" name="日期占位符 3">
             <a:extLst>
               <a:ext uri="{FF2B5EF4-FFF2-40B4-BE49-F238E27FC236}">
-                <a16:creationId xmlns:a16="http://schemas.microsoft.com/office/drawing/2014/main" id="{498BE165-D196-024B-2C2F-F11C8701F490}"/>
+                <a16:creationId xmlns:a16="http://schemas.microsoft.com/office/drawing/2014/main" id="{557E723B-07EE-A23E-282C-84491787E80E}"/>
               </a:ext>
             </a:extLst>
           </p:cNvPr>
@@ -856,7 +856,7 @@
           <a:bodyPr/>
           <a:lstStyle/>
           <a:p>
-            <a:fld id="{5473F396-7694-4257-B03F-1079A684EE3D}" type="datetimeFigureOut">
+            <a:fld id="{F52CFC5E-C901-4592-B5C0-F76F018E0F8C}" type="datetimeFigureOut">
               <a:rPr lang="zh-CN" altLang="en-US" smtClean="0"/>
               <a:t>2024/3/10</a:t>
             </a:fld>
@@ -869,7 +869,7 @@
           <p:cNvPr id="5" name="页脚占位符 4">
             <a:extLst>
               <a:ext uri="{FF2B5EF4-FFF2-40B4-BE49-F238E27FC236}">
-                <a16:creationId xmlns:a16="http://schemas.microsoft.com/office/drawing/2014/main" id="{8F8750F8-BE30-1CD4-1AF7-0150172F614C}"/>
+                <a16:creationId xmlns:a16="http://schemas.microsoft.com/office/drawing/2014/main" id="{BC7B0701-DDE5-5518-5D30-6E959E4594C5}"/>
               </a:ext>
             </a:extLst>
           </p:cNvPr>
@@ -894,7 +894,7 @@
           <p:cNvPr id="6" name="灯片编号占位符 5">
             <a:extLst>
               <a:ext uri="{FF2B5EF4-FFF2-40B4-BE49-F238E27FC236}">
-                <a16:creationId xmlns:a16="http://schemas.microsoft.com/office/drawing/2014/main" id="{64680C84-59FF-7B92-1224-717D20324E25}"/>
+                <a16:creationId xmlns:a16="http://schemas.microsoft.com/office/drawing/2014/main" id="{A3F3A922-A2C1-354B-E53B-A6771914C18D}"/>
               </a:ext>
             </a:extLst>
           </p:cNvPr>
@@ -910,7 +910,7 @@
           <a:bodyPr/>
           <a:lstStyle/>
           <a:p>
-            <a:fld id="{8F63DACB-D536-49DB-80F9-A1068F70E3E7}" type="slidenum">
+            <a:fld id="{A326476B-C67B-4E98-99C7-B2D5F830CC1E}" type="slidenum">
               <a:rPr lang="zh-CN" altLang="en-US" smtClean="0"/>
               <a:t>‹#›</a:t>
             </a:fld>
@@ -921,7 +921,7 @@
     </p:spTree>
     <p:extLst>
       <p:ext uri="{BB962C8B-B14F-4D97-AF65-F5344CB8AC3E}">
-        <p14:creationId xmlns:p14="http://schemas.microsoft.com/office/powerpoint/2010/main" val="3511584104"/>
+        <p14:creationId xmlns:p14="http://schemas.microsoft.com/office/powerpoint/2010/main" val="3147657831"/>
       </p:ext>
     </p:extLst>
   </p:cSld>
@@ -953,7 +953,7 @@
           <p:cNvPr id="2" name="标题 1">
             <a:extLst>
               <a:ext uri="{FF2B5EF4-FFF2-40B4-BE49-F238E27FC236}">
-                <a16:creationId xmlns:a16="http://schemas.microsoft.com/office/drawing/2014/main" id="{67B6AC09-7976-28B3-B859-57E148E70251}"/>
+                <a16:creationId xmlns:a16="http://schemas.microsoft.com/office/drawing/2014/main" id="{32C4D4E5-0F6B-259F-B084-B2B42E7C5C42}"/>
               </a:ext>
             </a:extLst>
           </p:cNvPr>
@@ -990,7 +990,7 @@
           <p:cNvPr id="3" name="文本占位符 2">
             <a:extLst>
               <a:ext uri="{FF2B5EF4-FFF2-40B4-BE49-F238E27FC236}">
-                <a16:creationId xmlns:a16="http://schemas.microsoft.com/office/drawing/2014/main" id="{40B32B10-4AB7-1FB6-9887-9E0A500F3D83}"/>
+                <a16:creationId xmlns:a16="http://schemas.microsoft.com/office/drawing/2014/main" id="{027EBF5E-3498-44B9-4142-9BEC65FBB0A1}"/>
               </a:ext>
             </a:extLst>
           </p:cNvPr>
@@ -1115,7 +1115,7 @@
           <p:cNvPr id="4" name="日期占位符 3">
             <a:extLst>
               <a:ext uri="{FF2B5EF4-FFF2-40B4-BE49-F238E27FC236}">
-                <a16:creationId xmlns:a16="http://schemas.microsoft.com/office/drawing/2014/main" id="{3D2891EF-6924-F309-4E48-1C47E55E725B}"/>
+                <a16:creationId xmlns:a16="http://schemas.microsoft.com/office/drawing/2014/main" id="{EE5AE85D-DB8A-D68A-C008-47FCAE49EFF5}"/>
               </a:ext>
             </a:extLst>
           </p:cNvPr>
@@ -1131,7 +1131,7 @@
           <a:bodyPr/>
           <a:lstStyle/>
           <a:p>
-            <a:fld id="{5473F396-7694-4257-B03F-1079A684EE3D}" type="datetimeFigureOut">
+            <a:fld id="{F52CFC5E-C901-4592-B5C0-F76F018E0F8C}" type="datetimeFigureOut">
               <a:rPr lang="zh-CN" altLang="en-US" smtClean="0"/>
               <a:t>2024/3/10</a:t>
             </a:fld>
@@ -1144,7 +1144,7 @@
           <p:cNvPr id="5" name="页脚占位符 4">
             <a:extLst>
               <a:ext uri="{FF2B5EF4-FFF2-40B4-BE49-F238E27FC236}">
-                <a16:creationId xmlns:a16="http://schemas.microsoft.com/office/drawing/2014/main" id="{22AD8DE0-DBFA-27A9-B49D-9F434E1341B6}"/>
+                <a16:creationId xmlns:a16="http://schemas.microsoft.com/office/drawing/2014/main" id="{ABB08052-A248-FE3E-B1BF-5C5E163C8188}"/>
               </a:ext>
             </a:extLst>
           </p:cNvPr>
@@ -1169,7 +1169,7 @@
           <p:cNvPr id="6" name="灯片编号占位符 5">
             <a:extLst>
               <a:ext uri="{FF2B5EF4-FFF2-40B4-BE49-F238E27FC236}">
-                <a16:creationId xmlns:a16="http://schemas.microsoft.com/office/drawing/2014/main" id="{01096679-3406-8CC8-3A3A-B1A1FDDBFEF8}"/>
+                <a16:creationId xmlns:a16="http://schemas.microsoft.com/office/drawing/2014/main" id="{6B023521-B34B-0B36-2CE4-70E3D2171891}"/>
               </a:ext>
             </a:extLst>
           </p:cNvPr>
@@ -1185,7 +1185,7 @@
           <a:bodyPr/>
           <a:lstStyle/>
           <a:p>
-            <a:fld id="{8F63DACB-D536-49DB-80F9-A1068F70E3E7}" type="slidenum">
+            <a:fld id="{A326476B-C67B-4E98-99C7-B2D5F830CC1E}" type="slidenum">
               <a:rPr lang="zh-CN" altLang="en-US" smtClean="0"/>
               <a:t>‹#›</a:t>
             </a:fld>
@@ -1196,7 +1196,7 @@
     </p:spTree>
     <p:extLst>
       <p:ext uri="{BB962C8B-B14F-4D97-AF65-F5344CB8AC3E}">
-        <p14:creationId xmlns:p14="http://schemas.microsoft.com/office/powerpoint/2010/main" val="845400471"/>
+        <p14:creationId xmlns:p14="http://schemas.microsoft.com/office/powerpoint/2010/main" val="1485649769"/>
       </p:ext>
     </p:extLst>
   </p:cSld>
@@ -1228,7 +1228,7 @@
           <p:cNvPr id="2" name="标题 1">
             <a:extLst>
               <a:ext uri="{FF2B5EF4-FFF2-40B4-BE49-F238E27FC236}">
-                <a16:creationId xmlns:a16="http://schemas.microsoft.com/office/drawing/2014/main" id="{B226CEB7-3215-CFE0-AC0D-F29753D146D2}"/>
+                <a16:creationId xmlns:a16="http://schemas.microsoft.com/office/drawing/2014/main" id="{3EFAE8FD-66AA-4D9A-87DA-1C7DB47FEFAC}"/>
               </a:ext>
             </a:extLst>
           </p:cNvPr>
@@ -1256,7 +1256,7 @@
           <p:cNvPr id="3" name="内容占位符 2">
             <a:extLst>
               <a:ext uri="{FF2B5EF4-FFF2-40B4-BE49-F238E27FC236}">
-                <a16:creationId xmlns:a16="http://schemas.microsoft.com/office/drawing/2014/main" id="{5499E049-8458-52A5-6033-3F27F083D646}"/>
+                <a16:creationId xmlns:a16="http://schemas.microsoft.com/office/drawing/2014/main" id="{576C894F-455D-9173-71F0-40A63181FABF}"/>
               </a:ext>
             </a:extLst>
           </p:cNvPr>
@@ -1318,7 +1318,7 @@
           <p:cNvPr id="4" name="内容占位符 3">
             <a:extLst>
               <a:ext uri="{FF2B5EF4-FFF2-40B4-BE49-F238E27FC236}">
-                <a16:creationId xmlns:a16="http://schemas.microsoft.com/office/drawing/2014/main" id="{1BE84999-3487-AEF8-202F-820A8F506F5B}"/>
+                <a16:creationId xmlns:a16="http://schemas.microsoft.com/office/drawing/2014/main" id="{908BCFF4-3786-FCC1-83A3-E9650F434B80}"/>
               </a:ext>
             </a:extLst>
           </p:cNvPr>
@@ -1380,7 +1380,7 @@
           <p:cNvPr id="5" name="日期占位符 4">
             <a:extLst>
               <a:ext uri="{FF2B5EF4-FFF2-40B4-BE49-F238E27FC236}">
-                <a16:creationId xmlns:a16="http://schemas.microsoft.com/office/drawing/2014/main" id="{529CF25E-CC75-E339-17D6-E26300E56C0C}"/>
+                <a16:creationId xmlns:a16="http://schemas.microsoft.com/office/drawing/2014/main" id="{D956161F-72F7-B30F-E648-D3CB752631C7}"/>
               </a:ext>
             </a:extLst>
           </p:cNvPr>
@@ -1396,7 +1396,7 @@
           <a:bodyPr/>
           <a:lstStyle/>
           <a:p>
-            <a:fld id="{5473F396-7694-4257-B03F-1079A684EE3D}" type="datetimeFigureOut">
+            <a:fld id="{F52CFC5E-C901-4592-B5C0-F76F018E0F8C}" type="datetimeFigureOut">
               <a:rPr lang="zh-CN" altLang="en-US" smtClean="0"/>
               <a:t>2024/3/10</a:t>
             </a:fld>
@@ -1409,7 +1409,7 @@
           <p:cNvPr id="6" name="页脚占位符 5">
             <a:extLst>
               <a:ext uri="{FF2B5EF4-FFF2-40B4-BE49-F238E27FC236}">
-                <a16:creationId xmlns:a16="http://schemas.microsoft.com/office/drawing/2014/main" id="{8148F83D-32DC-44EE-59BD-F930D9B88BCA}"/>
+                <a16:creationId xmlns:a16="http://schemas.microsoft.com/office/drawing/2014/main" id="{EEFD53BE-A9CC-1775-84F0-696363B2E3CE}"/>
               </a:ext>
             </a:extLst>
           </p:cNvPr>
@@ -1434,7 +1434,7 @@
           <p:cNvPr id="7" name="灯片编号占位符 6">
             <a:extLst>
               <a:ext uri="{FF2B5EF4-FFF2-40B4-BE49-F238E27FC236}">
-                <a16:creationId xmlns:a16="http://schemas.microsoft.com/office/drawing/2014/main" id="{F4208CE2-5CEF-AC5C-96A8-098A80218B59}"/>
+                <a16:creationId xmlns:a16="http://schemas.microsoft.com/office/drawing/2014/main" id="{F17FF25B-D5B2-C66C-E2F5-25E51D4EEDB0}"/>
               </a:ext>
             </a:extLst>
           </p:cNvPr>
@@ -1450,7 +1450,7 @@
           <a:bodyPr/>
           <a:lstStyle/>
           <a:p>
-            <a:fld id="{8F63DACB-D536-49DB-80F9-A1068F70E3E7}" type="slidenum">
+            <a:fld id="{A326476B-C67B-4E98-99C7-B2D5F830CC1E}" type="slidenum">
               <a:rPr lang="zh-CN" altLang="en-US" smtClean="0"/>
               <a:t>‹#›</a:t>
             </a:fld>
@@ -1461,7 +1461,7 @@
     </p:spTree>
     <p:extLst>
       <p:ext uri="{BB962C8B-B14F-4D97-AF65-F5344CB8AC3E}">
-        <p14:creationId xmlns:p14="http://schemas.microsoft.com/office/powerpoint/2010/main" val="2030927770"/>
+        <p14:creationId xmlns:p14="http://schemas.microsoft.com/office/powerpoint/2010/main" val="1537332322"/>
       </p:ext>
     </p:extLst>
   </p:cSld>
@@ -1493,7 +1493,7 @@
           <p:cNvPr id="2" name="标题 1">
             <a:extLst>
               <a:ext uri="{FF2B5EF4-FFF2-40B4-BE49-F238E27FC236}">
-                <a16:creationId xmlns:a16="http://schemas.microsoft.com/office/drawing/2014/main" id="{4B194B10-5B5E-8B5D-C2C6-5B395EA804D0}"/>
+                <a16:creationId xmlns:a16="http://schemas.microsoft.com/office/drawing/2014/main" id="{5FA567EE-1B31-CD4F-7741-239F8B50F7BA}"/>
               </a:ext>
             </a:extLst>
           </p:cNvPr>
@@ -1526,7 +1526,7 @@
           <p:cNvPr id="3" name="文本占位符 2">
             <a:extLst>
               <a:ext uri="{FF2B5EF4-FFF2-40B4-BE49-F238E27FC236}">
-                <a16:creationId xmlns:a16="http://schemas.microsoft.com/office/drawing/2014/main" id="{8AACC765-29A3-56AA-8D85-9842767ABF2B}"/>
+                <a16:creationId xmlns:a16="http://schemas.microsoft.com/office/drawing/2014/main" id="{FB1CEFB3-A1C8-DAF4-67C4-CF9E9F0F09F5}"/>
               </a:ext>
             </a:extLst>
           </p:cNvPr>
@@ -1597,7 +1597,7 @@
           <p:cNvPr id="4" name="内容占位符 3">
             <a:extLst>
               <a:ext uri="{FF2B5EF4-FFF2-40B4-BE49-F238E27FC236}">
-                <a16:creationId xmlns:a16="http://schemas.microsoft.com/office/drawing/2014/main" id="{13032A8D-76A1-1817-347D-38091A5C3B95}"/>
+                <a16:creationId xmlns:a16="http://schemas.microsoft.com/office/drawing/2014/main" id="{B91467EA-45D9-2909-6D96-6E081E24B683}"/>
               </a:ext>
             </a:extLst>
           </p:cNvPr>
@@ -1659,7 +1659,7 @@
           <p:cNvPr id="5" name="文本占位符 4">
             <a:extLst>
               <a:ext uri="{FF2B5EF4-FFF2-40B4-BE49-F238E27FC236}">
-                <a16:creationId xmlns:a16="http://schemas.microsoft.com/office/drawing/2014/main" id="{D1CC1C0D-3F2F-04D1-3209-80F87C2B026A}"/>
+                <a16:creationId xmlns:a16="http://schemas.microsoft.com/office/drawing/2014/main" id="{4E954B31-FC8C-291C-C0D6-36688C5B900F}"/>
               </a:ext>
             </a:extLst>
           </p:cNvPr>
@@ -1730,7 +1730,7 @@
           <p:cNvPr id="6" name="内容占位符 5">
             <a:extLst>
               <a:ext uri="{FF2B5EF4-FFF2-40B4-BE49-F238E27FC236}">
-                <a16:creationId xmlns:a16="http://schemas.microsoft.com/office/drawing/2014/main" id="{BCF9E7D1-B8E7-6E39-646C-DD038CD31CAB}"/>
+                <a16:creationId xmlns:a16="http://schemas.microsoft.com/office/drawing/2014/main" id="{209DE418-A457-C9B4-496A-9F6B0DB215AE}"/>
               </a:ext>
             </a:extLst>
           </p:cNvPr>
@@ -1792,7 +1792,7 @@
           <p:cNvPr id="7" name="日期占位符 6">
             <a:extLst>
               <a:ext uri="{FF2B5EF4-FFF2-40B4-BE49-F238E27FC236}">
-                <a16:creationId xmlns:a16="http://schemas.microsoft.com/office/drawing/2014/main" id="{FAF94BAF-9014-0EDC-7965-E44389F622D2}"/>
+                <a16:creationId xmlns:a16="http://schemas.microsoft.com/office/drawing/2014/main" id="{6EC0902C-391C-AF86-63BA-80AD076DBDE6}"/>
               </a:ext>
             </a:extLst>
           </p:cNvPr>
@@ -1808,7 +1808,7 @@
           <a:bodyPr/>
           <a:lstStyle/>
           <a:p>
-            <a:fld id="{5473F396-7694-4257-B03F-1079A684EE3D}" type="datetimeFigureOut">
+            <a:fld id="{F52CFC5E-C901-4592-B5C0-F76F018E0F8C}" type="datetimeFigureOut">
               <a:rPr lang="zh-CN" altLang="en-US" smtClean="0"/>
               <a:t>2024/3/10</a:t>
             </a:fld>
@@ -1821,7 +1821,7 @@
           <p:cNvPr id="8" name="页脚占位符 7">
             <a:extLst>
               <a:ext uri="{FF2B5EF4-FFF2-40B4-BE49-F238E27FC236}">
-                <a16:creationId xmlns:a16="http://schemas.microsoft.com/office/drawing/2014/main" id="{81A2E0A6-8E39-0A4A-35C3-C39E9E850817}"/>
+                <a16:creationId xmlns:a16="http://schemas.microsoft.com/office/drawing/2014/main" id="{B66BC866-290C-2A17-E6BC-B13ABD6706F3}"/>
               </a:ext>
             </a:extLst>
           </p:cNvPr>
@@ -1846,7 +1846,7 @@
           <p:cNvPr id="9" name="灯片编号占位符 8">
             <a:extLst>
               <a:ext uri="{FF2B5EF4-FFF2-40B4-BE49-F238E27FC236}">
-                <a16:creationId xmlns:a16="http://schemas.microsoft.com/office/drawing/2014/main" id="{74137169-A5FE-1DD0-2BDD-5B154D8A14C8}"/>
+                <a16:creationId xmlns:a16="http://schemas.microsoft.com/office/drawing/2014/main" id="{E105923C-548B-7C04-33C1-DD01E85401D1}"/>
               </a:ext>
             </a:extLst>
           </p:cNvPr>
@@ -1862,7 +1862,7 @@
           <a:bodyPr/>
           <a:lstStyle/>
           <a:p>
-            <a:fld id="{8F63DACB-D536-49DB-80F9-A1068F70E3E7}" type="slidenum">
+            <a:fld id="{A326476B-C67B-4E98-99C7-B2D5F830CC1E}" type="slidenum">
               <a:rPr lang="zh-CN" altLang="en-US" smtClean="0"/>
               <a:t>‹#›</a:t>
             </a:fld>
@@ -1873,7 +1873,7 @@
     </p:spTree>
     <p:extLst>
       <p:ext uri="{BB962C8B-B14F-4D97-AF65-F5344CB8AC3E}">
-        <p14:creationId xmlns:p14="http://schemas.microsoft.com/office/powerpoint/2010/main" val="1906292682"/>
+        <p14:creationId xmlns:p14="http://schemas.microsoft.com/office/powerpoint/2010/main" val="315077205"/>
       </p:ext>
     </p:extLst>
   </p:cSld>
@@ -1905,7 +1905,7 @@
           <p:cNvPr id="2" name="标题 1">
             <a:extLst>
               <a:ext uri="{FF2B5EF4-FFF2-40B4-BE49-F238E27FC236}">
-                <a16:creationId xmlns:a16="http://schemas.microsoft.com/office/drawing/2014/main" id="{EB902458-D413-4794-258B-F9E8ABB61004}"/>
+                <a16:creationId xmlns:a16="http://schemas.microsoft.com/office/drawing/2014/main" id="{52EAD5C8-FA41-B8BB-0A11-AB5C3B5A1D68}"/>
               </a:ext>
             </a:extLst>
           </p:cNvPr>
@@ -1933,7 +1933,7 @@
           <p:cNvPr id="3" name="日期占位符 2">
             <a:extLst>
               <a:ext uri="{FF2B5EF4-FFF2-40B4-BE49-F238E27FC236}">
-                <a16:creationId xmlns:a16="http://schemas.microsoft.com/office/drawing/2014/main" id="{F8A6A692-0C62-ED6F-9D1A-1D923FC2A472}"/>
+                <a16:creationId xmlns:a16="http://schemas.microsoft.com/office/drawing/2014/main" id="{C931FCB2-6FF1-DD27-D186-780206D5DD76}"/>
               </a:ext>
             </a:extLst>
           </p:cNvPr>
@@ -1949,7 +1949,7 @@
           <a:bodyPr/>
           <a:lstStyle/>
           <a:p>
-            <a:fld id="{5473F396-7694-4257-B03F-1079A684EE3D}" type="datetimeFigureOut">
+            <a:fld id="{F52CFC5E-C901-4592-B5C0-F76F018E0F8C}" type="datetimeFigureOut">
               <a:rPr lang="zh-CN" altLang="en-US" smtClean="0"/>
               <a:t>2024/3/10</a:t>
             </a:fld>
@@ -1962,7 +1962,7 @@
           <p:cNvPr id="4" name="页脚占位符 3">
             <a:extLst>
               <a:ext uri="{FF2B5EF4-FFF2-40B4-BE49-F238E27FC236}">
-                <a16:creationId xmlns:a16="http://schemas.microsoft.com/office/drawing/2014/main" id="{4A287E49-47E6-E9A7-96E6-BA7FDA6F9B97}"/>
+                <a16:creationId xmlns:a16="http://schemas.microsoft.com/office/drawing/2014/main" id="{2FE5FC03-48FE-F230-FD05-FC783264009D}"/>
               </a:ext>
             </a:extLst>
           </p:cNvPr>
@@ -1987,7 +1987,7 @@
           <p:cNvPr id="5" name="灯片编号占位符 4">
             <a:extLst>
               <a:ext uri="{FF2B5EF4-FFF2-40B4-BE49-F238E27FC236}">
-                <a16:creationId xmlns:a16="http://schemas.microsoft.com/office/drawing/2014/main" id="{F4D19F00-DCE5-2905-EBA1-C91BC33D0112}"/>
+                <a16:creationId xmlns:a16="http://schemas.microsoft.com/office/drawing/2014/main" id="{22B435B6-7BA6-B164-C406-962FA9E28BB8}"/>
               </a:ext>
             </a:extLst>
           </p:cNvPr>
@@ -2003,7 +2003,7 @@
           <a:bodyPr/>
           <a:lstStyle/>
           <a:p>
-            <a:fld id="{8F63DACB-D536-49DB-80F9-A1068F70E3E7}" type="slidenum">
+            <a:fld id="{A326476B-C67B-4E98-99C7-B2D5F830CC1E}" type="slidenum">
               <a:rPr lang="zh-CN" altLang="en-US" smtClean="0"/>
               <a:t>‹#›</a:t>
             </a:fld>
@@ -2014,7 +2014,7 @@
     </p:spTree>
     <p:extLst>
       <p:ext uri="{BB962C8B-B14F-4D97-AF65-F5344CB8AC3E}">
-        <p14:creationId xmlns:p14="http://schemas.microsoft.com/office/powerpoint/2010/main" val="4028066104"/>
+        <p14:creationId xmlns:p14="http://schemas.microsoft.com/office/powerpoint/2010/main" val="127656757"/>
       </p:ext>
     </p:extLst>
   </p:cSld>
@@ -2046,7 +2046,7 @@
           <p:cNvPr id="2" name="日期占位符 1">
             <a:extLst>
               <a:ext uri="{FF2B5EF4-FFF2-40B4-BE49-F238E27FC236}">
-                <a16:creationId xmlns:a16="http://schemas.microsoft.com/office/drawing/2014/main" id="{AF7A98D5-1898-0B90-9C4A-0505F78DD1AF}"/>
+                <a16:creationId xmlns:a16="http://schemas.microsoft.com/office/drawing/2014/main" id="{231653CF-6223-C835-3601-F00FA52B3ACA}"/>
               </a:ext>
             </a:extLst>
           </p:cNvPr>
@@ -2062,7 +2062,7 @@
           <a:bodyPr/>
           <a:lstStyle/>
           <a:p>
-            <a:fld id="{5473F396-7694-4257-B03F-1079A684EE3D}" type="datetimeFigureOut">
+            <a:fld id="{F52CFC5E-C901-4592-B5C0-F76F018E0F8C}" type="datetimeFigureOut">
               <a:rPr lang="zh-CN" altLang="en-US" smtClean="0"/>
               <a:t>2024/3/10</a:t>
             </a:fld>
@@ -2075,7 +2075,7 @@
           <p:cNvPr id="3" name="页脚占位符 2">
             <a:extLst>
               <a:ext uri="{FF2B5EF4-FFF2-40B4-BE49-F238E27FC236}">
-                <a16:creationId xmlns:a16="http://schemas.microsoft.com/office/drawing/2014/main" id="{2E18109C-1AEC-E862-7524-03CDA93E93EF}"/>
+                <a16:creationId xmlns:a16="http://schemas.microsoft.com/office/drawing/2014/main" id="{5C9E0D3C-7B34-BC3E-BEE0-958CC53FB68A}"/>
               </a:ext>
             </a:extLst>
           </p:cNvPr>
@@ -2100,7 +2100,7 @@
           <p:cNvPr id="4" name="灯片编号占位符 3">
             <a:extLst>
               <a:ext uri="{FF2B5EF4-FFF2-40B4-BE49-F238E27FC236}">
-                <a16:creationId xmlns:a16="http://schemas.microsoft.com/office/drawing/2014/main" id="{7B43CD2B-01D0-DDA0-B3BC-B4E7C1283C62}"/>
+                <a16:creationId xmlns:a16="http://schemas.microsoft.com/office/drawing/2014/main" id="{900D3239-230E-D1D1-89C6-577344B590BA}"/>
               </a:ext>
             </a:extLst>
           </p:cNvPr>
@@ -2116,7 +2116,7 @@
           <a:bodyPr/>
           <a:lstStyle/>
           <a:p>
-            <a:fld id="{8F63DACB-D536-49DB-80F9-A1068F70E3E7}" type="slidenum">
+            <a:fld id="{A326476B-C67B-4E98-99C7-B2D5F830CC1E}" type="slidenum">
               <a:rPr lang="zh-CN" altLang="en-US" smtClean="0"/>
               <a:t>‹#›</a:t>
             </a:fld>
@@ -2127,7 +2127,7 @@
     </p:spTree>
     <p:extLst>
       <p:ext uri="{BB962C8B-B14F-4D97-AF65-F5344CB8AC3E}">
-        <p14:creationId xmlns:p14="http://schemas.microsoft.com/office/powerpoint/2010/main" val="819320908"/>
+        <p14:creationId xmlns:p14="http://schemas.microsoft.com/office/powerpoint/2010/main" val="859542003"/>
       </p:ext>
     </p:extLst>
   </p:cSld>
@@ -2159,7 +2159,7 @@
           <p:cNvPr id="2" name="标题 1">
             <a:extLst>
               <a:ext uri="{FF2B5EF4-FFF2-40B4-BE49-F238E27FC236}">
-                <a16:creationId xmlns:a16="http://schemas.microsoft.com/office/drawing/2014/main" id="{E605768F-8AD7-18C4-CD94-BC6D3C42B327}"/>
+                <a16:creationId xmlns:a16="http://schemas.microsoft.com/office/drawing/2014/main" id="{30B157B2-4499-5FCA-F258-B4C15DB96BD6}"/>
               </a:ext>
             </a:extLst>
           </p:cNvPr>
@@ -2196,7 +2196,7 @@
           <p:cNvPr id="3" name="内容占位符 2">
             <a:extLst>
               <a:ext uri="{FF2B5EF4-FFF2-40B4-BE49-F238E27FC236}">
-                <a16:creationId xmlns:a16="http://schemas.microsoft.com/office/drawing/2014/main" id="{C26C1151-EC34-AB19-2B57-0A967945ECB4}"/>
+                <a16:creationId xmlns:a16="http://schemas.microsoft.com/office/drawing/2014/main" id="{F23606FC-8953-7E03-C45A-C0733C606802}"/>
               </a:ext>
             </a:extLst>
           </p:cNvPr>
@@ -2286,7 +2286,7 @@
           <p:cNvPr id="4" name="文本占位符 3">
             <a:extLst>
               <a:ext uri="{FF2B5EF4-FFF2-40B4-BE49-F238E27FC236}">
-                <a16:creationId xmlns:a16="http://schemas.microsoft.com/office/drawing/2014/main" id="{4A3550DD-FDE3-17D1-B314-66DCE0A349BF}"/>
+                <a16:creationId xmlns:a16="http://schemas.microsoft.com/office/drawing/2014/main" id="{61D03679-4549-E0A8-5D07-EB5C1BF47D6B}"/>
               </a:ext>
             </a:extLst>
           </p:cNvPr>
@@ -2357,7 +2357,7 @@
           <p:cNvPr id="5" name="日期占位符 4">
             <a:extLst>
               <a:ext uri="{FF2B5EF4-FFF2-40B4-BE49-F238E27FC236}">
-                <a16:creationId xmlns:a16="http://schemas.microsoft.com/office/drawing/2014/main" id="{303C0716-6F28-F1E3-6C8E-74CB2CE1B85E}"/>
+                <a16:creationId xmlns:a16="http://schemas.microsoft.com/office/drawing/2014/main" id="{3CC1AFA6-26C6-458F-4AF5-33FC4802F835}"/>
               </a:ext>
             </a:extLst>
           </p:cNvPr>
@@ -2373,7 +2373,7 @@
           <a:bodyPr/>
           <a:lstStyle/>
           <a:p>
-            <a:fld id="{5473F396-7694-4257-B03F-1079A684EE3D}" type="datetimeFigureOut">
+            <a:fld id="{F52CFC5E-C901-4592-B5C0-F76F018E0F8C}" type="datetimeFigureOut">
               <a:rPr lang="zh-CN" altLang="en-US" smtClean="0"/>
               <a:t>2024/3/10</a:t>
             </a:fld>
@@ -2386,7 +2386,7 @@
           <p:cNvPr id="6" name="页脚占位符 5">
             <a:extLst>
               <a:ext uri="{FF2B5EF4-FFF2-40B4-BE49-F238E27FC236}">
-                <a16:creationId xmlns:a16="http://schemas.microsoft.com/office/drawing/2014/main" id="{1A962F11-2B76-E175-907C-F2E53B0458C1}"/>
+                <a16:creationId xmlns:a16="http://schemas.microsoft.com/office/drawing/2014/main" id="{334644A2-CFAE-B177-D90A-E4A0DADD4788}"/>
               </a:ext>
             </a:extLst>
           </p:cNvPr>
@@ -2411,7 +2411,7 @@
           <p:cNvPr id="7" name="灯片编号占位符 6">
             <a:extLst>
               <a:ext uri="{FF2B5EF4-FFF2-40B4-BE49-F238E27FC236}">
-                <a16:creationId xmlns:a16="http://schemas.microsoft.com/office/drawing/2014/main" id="{091B0E96-D772-25C3-BB23-DC84D0945545}"/>
+                <a16:creationId xmlns:a16="http://schemas.microsoft.com/office/drawing/2014/main" id="{D413C086-6DA9-9FC8-B649-E487940DBAC2}"/>
               </a:ext>
             </a:extLst>
           </p:cNvPr>
@@ -2427,7 +2427,7 @@
           <a:bodyPr/>
           <a:lstStyle/>
           <a:p>
-            <a:fld id="{8F63DACB-D536-49DB-80F9-A1068F70E3E7}" type="slidenum">
+            <a:fld id="{A326476B-C67B-4E98-99C7-B2D5F830CC1E}" type="slidenum">
               <a:rPr lang="zh-CN" altLang="en-US" smtClean="0"/>
               <a:t>‹#›</a:t>
             </a:fld>
@@ -2438,7 +2438,7 @@
     </p:spTree>
     <p:extLst>
       <p:ext uri="{BB962C8B-B14F-4D97-AF65-F5344CB8AC3E}">
-        <p14:creationId xmlns:p14="http://schemas.microsoft.com/office/powerpoint/2010/main" val="2108031597"/>
+        <p14:creationId xmlns:p14="http://schemas.microsoft.com/office/powerpoint/2010/main" val="1529098891"/>
       </p:ext>
     </p:extLst>
   </p:cSld>
@@ -2470,7 +2470,7 @@
           <p:cNvPr id="2" name="标题 1">
             <a:extLst>
               <a:ext uri="{FF2B5EF4-FFF2-40B4-BE49-F238E27FC236}">
-                <a16:creationId xmlns:a16="http://schemas.microsoft.com/office/drawing/2014/main" id="{7AB9846E-6627-99CC-31E9-F28FED4C00F4}"/>
+                <a16:creationId xmlns:a16="http://schemas.microsoft.com/office/drawing/2014/main" id="{CBDCFEAC-7F4C-81BF-5247-07C52034EC58}"/>
               </a:ext>
             </a:extLst>
           </p:cNvPr>
@@ -2507,7 +2507,7 @@
           <p:cNvPr id="3" name="图片占位符 2">
             <a:extLst>
               <a:ext uri="{FF2B5EF4-FFF2-40B4-BE49-F238E27FC236}">
-                <a16:creationId xmlns:a16="http://schemas.microsoft.com/office/drawing/2014/main" id="{89825AB6-7CCF-BE30-9AA9-C41454A26A55}"/>
+                <a16:creationId xmlns:a16="http://schemas.microsoft.com/office/drawing/2014/main" id="{1A2181BC-E3A7-08A4-D670-4A60012F99FB}"/>
               </a:ext>
             </a:extLst>
           </p:cNvPr>
@@ -2574,7 +2574,7 @@
           <p:cNvPr id="4" name="文本占位符 3">
             <a:extLst>
               <a:ext uri="{FF2B5EF4-FFF2-40B4-BE49-F238E27FC236}">
-                <a16:creationId xmlns:a16="http://schemas.microsoft.com/office/drawing/2014/main" id="{4A0C8299-43D3-4D0E-E199-8FE96EAD3D77}"/>
+                <a16:creationId xmlns:a16="http://schemas.microsoft.com/office/drawing/2014/main" id="{051D4229-752B-F0E0-BF9E-93C90C67B482}"/>
               </a:ext>
             </a:extLst>
           </p:cNvPr>
@@ -2645,7 +2645,7 @@
           <p:cNvPr id="5" name="日期占位符 4">
             <a:extLst>
               <a:ext uri="{FF2B5EF4-FFF2-40B4-BE49-F238E27FC236}">
-                <a16:creationId xmlns:a16="http://schemas.microsoft.com/office/drawing/2014/main" id="{9C2D3526-D55F-EE30-01B3-39CE16A91C47}"/>
+                <a16:creationId xmlns:a16="http://schemas.microsoft.com/office/drawing/2014/main" id="{568AAEE0-233C-D68E-FF94-BC342B2687E7}"/>
               </a:ext>
             </a:extLst>
           </p:cNvPr>
@@ -2661,7 +2661,7 @@
           <a:bodyPr/>
           <a:lstStyle/>
           <a:p>
-            <a:fld id="{5473F396-7694-4257-B03F-1079A684EE3D}" type="datetimeFigureOut">
+            <a:fld id="{F52CFC5E-C901-4592-B5C0-F76F018E0F8C}" type="datetimeFigureOut">
               <a:rPr lang="zh-CN" altLang="en-US" smtClean="0"/>
               <a:t>2024/3/10</a:t>
             </a:fld>
@@ -2674,7 +2674,7 @@
           <p:cNvPr id="6" name="页脚占位符 5">
             <a:extLst>
               <a:ext uri="{FF2B5EF4-FFF2-40B4-BE49-F238E27FC236}">
-                <a16:creationId xmlns:a16="http://schemas.microsoft.com/office/drawing/2014/main" id="{BE5A1497-C9C5-6632-018A-7E78C6D38D34}"/>
+                <a16:creationId xmlns:a16="http://schemas.microsoft.com/office/drawing/2014/main" id="{2176EBFE-8699-2680-966E-674583F9B371}"/>
               </a:ext>
             </a:extLst>
           </p:cNvPr>
@@ -2699,7 +2699,7 @@
           <p:cNvPr id="7" name="灯片编号占位符 6">
             <a:extLst>
               <a:ext uri="{FF2B5EF4-FFF2-40B4-BE49-F238E27FC236}">
-                <a16:creationId xmlns:a16="http://schemas.microsoft.com/office/drawing/2014/main" id="{E6D045D1-2981-2711-72A8-AC6C6A5C25CC}"/>
+                <a16:creationId xmlns:a16="http://schemas.microsoft.com/office/drawing/2014/main" id="{60A7B861-7474-2998-8A90-B4AB9095D3BC}"/>
               </a:ext>
             </a:extLst>
           </p:cNvPr>
@@ -2715,7 +2715,7 @@
           <a:bodyPr/>
           <a:lstStyle/>
           <a:p>
-            <a:fld id="{8F63DACB-D536-49DB-80F9-A1068F70E3E7}" type="slidenum">
+            <a:fld id="{A326476B-C67B-4E98-99C7-B2D5F830CC1E}" type="slidenum">
               <a:rPr lang="zh-CN" altLang="en-US" smtClean="0"/>
               <a:t>‹#›</a:t>
             </a:fld>
@@ -2726,7 +2726,7 @@
     </p:spTree>
     <p:extLst>
       <p:ext uri="{BB962C8B-B14F-4D97-AF65-F5344CB8AC3E}">
-        <p14:creationId xmlns:p14="http://schemas.microsoft.com/office/powerpoint/2010/main" val="2905826633"/>
+        <p14:creationId xmlns:p14="http://schemas.microsoft.com/office/powerpoint/2010/main" val="3390693112"/>
       </p:ext>
     </p:extLst>
   </p:cSld>
@@ -2763,7 +2763,7 @@
           <p:cNvPr id="2" name="标题占位符 1">
             <a:extLst>
               <a:ext uri="{FF2B5EF4-FFF2-40B4-BE49-F238E27FC236}">
-                <a16:creationId xmlns:a16="http://schemas.microsoft.com/office/drawing/2014/main" id="{F636F937-988F-8AAE-DDA6-3CD144DDC623}"/>
+                <a16:creationId xmlns:a16="http://schemas.microsoft.com/office/drawing/2014/main" id="{B9153598-F785-6F7C-41F6-41789E73876A}"/>
               </a:ext>
             </a:extLst>
           </p:cNvPr>
@@ -2801,7 +2801,7 @@
           <p:cNvPr id="3" name="文本占位符 2">
             <a:extLst>
               <a:ext uri="{FF2B5EF4-FFF2-40B4-BE49-F238E27FC236}">
-                <a16:creationId xmlns:a16="http://schemas.microsoft.com/office/drawing/2014/main" id="{597548F5-D723-C2D3-228C-48069139DE96}"/>
+                <a16:creationId xmlns:a16="http://schemas.microsoft.com/office/drawing/2014/main" id="{AB75EA41-98D0-0A5F-35CA-73753DADFB0E}"/>
               </a:ext>
             </a:extLst>
           </p:cNvPr>
@@ -2868,7 +2868,7 @@
           <p:cNvPr id="4" name="日期占位符 3">
             <a:extLst>
               <a:ext uri="{FF2B5EF4-FFF2-40B4-BE49-F238E27FC236}">
-                <a16:creationId xmlns:a16="http://schemas.microsoft.com/office/drawing/2014/main" id="{DE1D5399-B0E5-A5A7-C939-1DF3C8F90E64}"/>
+                <a16:creationId xmlns:a16="http://schemas.microsoft.com/office/drawing/2014/main" id="{F8A81FE6-F974-CC3B-30EC-A09DBAF2BB75}"/>
               </a:ext>
             </a:extLst>
           </p:cNvPr>
@@ -2902,7 +2902,7 @@
             </a:lvl1pPr>
           </a:lstStyle>
           <a:p>
-            <a:fld id="{5473F396-7694-4257-B03F-1079A684EE3D}" type="datetimeFigureOut">
+            <a:fld id="{F52CFC5E-C901-4592-B5C0-F76F018E0F8C}" type="datetimeFigureOut">
               <a:rPr lang="zh-CN" altLang="en-US" smtClean="0"/>
               <a:t>2024/3/10</a:t>
             </a:fld>
@@ -2915,7 +2915,7 @@
           <p:cNvPr id="5" name="页脚占位符 4">
             <a:extLst>
               <a:ext uri="{FF2B5EF4-FFF2-40B4-BE49-F238E27FC236}">
-                <a16:creationId xmlns:a16="http://schemas.microsoft.com/office/drawing/2014/main" id="{651B37E3-8ECF-CDA6-7045-B0C5660349BC}"/>
+                <a16:creationId xmlns:a16="http://schemas.microsoft.com/office/drawing/2014/main" id="{068A7DE4-46B0-C9D0-89AE-15A4592B29A5}"/>
               </a:ext>
             </a:extLst>
           </p:cNvPr>
@@ -2958,7 +2958,7 @@
           <p:cNvPr id="6" name="灯片编号占位符 5">
             <a:extLst>
               <a:ext uri="{FF2B5EF4-FFF2-40B4-BE49-F238E27FC236}">
-                <a16:creationId xmlns:a16="http://schemas.microsoft.com/office/drawing/2014/main" id="{EE903B1D-D7DE-DA41-C80B-434549D315F0}"/>
+                <a16:creationId xmlns:a16="http://schemas.microsoft.com/office/drawing/2014/main" id="{B149F526-0B42-765F-41A6-C3F8E501D565}"/>
               </a:ext>
             </a:extLst>
           </p:cNvPr>
@@ -2992,7 +2992,7 @@
             </a:lvl1pPr>
           </a:lstStyle>
           <a:p>
-            <a:fld id="{8F63DACB-D536-49DB-80F9-A1068F70E3E7}" type="slidenum">
+            <a:fld id="{A326476B-C67B-4E98-99C7-B2D5F830CC1E}" type="slidenum">
               <a:rPr lang="zh-CN" altLang="en-US" smtClean="0"/>
               <a:t>‹#›</a:t>
             </a:fld>
@@ -3003,7 +3003,7 @@
     </p:spTree>
     <p:extLst>
       <p:ext uri="{BB962C8B-B14F-4D97-AF65-F5344CB8AC3E}">
-        <p14:creationId xmlns:p14="http://schemas.microsoft.com/office/powerpoint/2010/main" val="4095192955"/>
+        <p14:creationId xmlns:p14="http://schemas.microsoft.com/office/powerpoint/2010/main" val="1551589806"/>
       </p:ext>
     </p:extLst>
   </p:cSld>
@@ -3323,7 +3323,7 @@
       </p:grpSpPr>
       <p:pic>
         <p:nvPicPr>
-          <p:cNvPr id="1404930" name="Picture 2" descr="1371"/>
+          <p:cNvPr id="1405954" name="Picture 2" descr="1372"/>
           <p:cNvPicPr>
             <a:picLocks noChangeAspect="1" noChangeArrowheads="1"/>
           </p:cNvPicPr>
@@ -3375,11 +3375,158 @@
           </a:extLst>
         </p:spPr>
       </p:pic>
+      <p:pic>
+        <p:nvPicPr>
+          <p:cNvPr id="1406979" name="Picture 3" descr="1372-2"/>
+          <p:cNvPicPr>
+            <a:picLocks noChangeAspect="1" noChangeArrowheads="1"/>
+          </p:cNvPicPr>
+          <p:nvPr/>
+        </p:nvPicPr>
+        <p:blipFill>
+          <a:blip r:embed="rId3">
+            <a:extLst>
+              <a:ext uri="{28A0092B-C50C-407E-A947-70E740481C1C}">
+                <a14:useLocalDpi xmlns:a14="http://schemas.microsoft.com/office/drawing/2010/main" val="0"/>
+              </a:ext>
+            </a:extLst>
+          </a:blip>
+          <a:srcRect/>
+          <a:stretch>
+            <a:fillRect/>
+          </a:stretch>
+        </p:blipFill>
+        <p:spPr bwMode="auto">
+          <a:xfrm>
+            <a:off x="1524000" y="0"/>
+            <a:ext cx="9144000" cy="6858000"/>
+          </a:xfrm>
+          <a:prstGeom prst="rect">
+            <a:avLst/>
+          </a:prstGeom>
+          <a:noFill/>
+          <a:ln>
+            <a:noFill/>
+          </a:ln>
+          <a:effectLst/>
+          <a:extLst>
+            <a:ext uri="{909E8E84-426E-40DD-AFC4-6F175D3DCCD1}">
+              <a14:hiddenFill xmlns:a14="http://schemas.microsoft.com/office/drawing/2010/main">
+                <a:solidFill>
+                  <a:srgbClr val="FFFFFF"/>
+                </a:solidFill>
+              </a14:hiddenFill>
+            </a:ext>
+            <a:ext uri="{91240B29-F687-4F45-9708-019B960494DF}">
+              <a14:hiddenLine xmlns:a14="http://schemas.microsoft.com/office/drawing/2010/main" w="9525">
+                <a:solidFill>
+                  <a:srgbClr val="000000"/>
+                </a:solidFill>
+                <a:miter lim="800000"/>
+                <a:headEnd/>
+                <a:tailEnd/>
+              </a14:hiddenLine>
+            </a:ext>
+            <a:ext uri="{AF507438-7753-43E0-B8FC-AC1667EBCBE1}">
+              <a14:hiddenEffects xmlns:a14="http://schemas.microsoft.com/office/drawing/2010/main">
+                <a:effectLst>
+                  <a:outerShdw dist="35921" dir="2700000" algn="ctr" rotWithShape="0">
+                    <a:srgbClr val="808080"/>
+                  </a:outerShdw>
+                </a:effectLst>
+              </a14:hiddenEffects>
+            </a:ext>
+          </a:extLst>
+        </p:spPr>
+      </p:pic>
     </p:spTree>
   </p:cSld>
   <p:clrMapOvr>
     <a:masterClrMapping/>
   </p:clrMapOvr>
+  <p:timing>
+    <p:tnLst>
+      <p:par>
+        <p:cTn id="1" dur="indefinite" restart="never" nodeType="tmRoot">
+          <p:childTnLst>
+            <p:seq concurrent="1" nextAc="seek">
+              <p:cTn id="2" dur="indefinite" nodeType="mainSeq">
+                <p:childTnLst>
+                  <p:par>
+                    <p:cTn id="3" fill="hold" nodeType="clickPar">
+                      <p:stCondLst>
+                        <p:cond delay="indefinite"/>
+                      </p:stCondLst>
+                      <p:childTnLst>
+                        <p:par>
+                          <p:cTn id="4" fill="hold" nodeType="withGroup">
+                            <p:stCondLst>
+                              <p:cond delay="0"/>
+                            </p:stCondLst>
+                            <p:childTnLst>
+                              <p:par>
+                                <p:cTn id="5" presetID="10" presetClass="entr" presetSubtype="0" fill="hold" nodeType="clickEffect">
+                                  <p:stCondLst>
+                                    <p:cond delay="0"/>
+                                  </p:stCondLst>
+                                  <p:childTnLst>
+                                    <p:set>
+                                      <p:cBhvr>
+                                        <p:cTn id="6" dur="1" fill="hold">
+                                          <p:stCondLst>
+                                            <p:cond delay="0"/>
+                                          </p:stCondLst>
+                                        </p:cTn>
+                                        <p:tgtEl>
+                                          <p:spTgt spid="1406979"/>
+                                        </p:tgtEl>
+                                        <p:attrNameLst>
+                                          <p:attrName>style.visibility</p:attrName>
+                                        </p:attrNameLst>
+                                      </p:cBhvr>
+                                      <p:to>
+                                        <p:strVal val="visible"/>
+                                      </p:to>
+                                    </p:set>
+                                    <p:animEffect transition="in" filter="fade">
+                                      <p:cBhvr>
+                                        <p:cTn id="7" dur="500"/>
+                                        <p:tgtEl>
+                                          <p:spTgt spid="1406979"/>
+                                        </p:tgtEl>
+                                      </p:cBhvr>
+                                    </p:animEffect>
+                                  </p:childTnLst>
+                                </p:cTn>
+                              </p:par>
+                            </p:childTnLst>
+                          </p:cTn>
+                        </p:par>
+                      </p:childTnLst>
+                    </p:cTn>
+                  </p:par>
+                </p:childTnLst>
+              </p:cTn>
+              <p:prevCondLst>
+                <p:cond evt="onPrev" delay="0">
+                  <p:tgtEl>
+                    <p:sldTgt/>
+                  </p:tgtEl>
+                </p:cond>
+              </p:prevCondLst>
+              <p:nextCondLst>
+                <p:cond evt="onNext" delay="0">
+                  <p:tgtEl>
+                    <p:sldTgt/>
+                  </p:tgtEl>
+                </p:cond>
+              </p:nextCondLst>
+            </p:seq>
+          </p:childTnLst>
+        </p:cTn>
+      </p:par>
+    </p:tnLst>
+  </p:timing>
 </p:sld>
 </file>
 
